--- a/lectures/introduction-internship.pptx
+++ b/lectures/introduction-internship.pptx
@@ -381,7 +381,7 @@
             <a:fld id="{8AD1700A-0812-4960-BDAF-BBEBDA6F415D}" type="datetime1">
               <a:rPr lang="en-US" altLang="en-US"/>
               <a:pPr/>
-              <a:t>1/12/24</a:t>
+              <a:t>8/19/2024</a:t>
             </a:fld>
             <a:endParaRPr lang="en-US" altLang="en-US"/>
           </a:p>
@@ -663,7 +663,7 @@
           </a:ln>
           <a:extLst>
             <a:ext uri="{909E8E84-426E-40dd-AFC4-6F175D3DCCD1}">
-              <a14:hiddenFill xmlns="" xmlns:a14="http://schemas.microsoft.com/office/drawing/2010/main">
+              <a14:hiddenFill xmlns:a14="http://schemas.microsoft.com/office/drawing/2010/main" xmlns="">
                 <a:solidFill>
                   <a:srgbClr val="FFFFFF"/>
                 </a:solidFill>
@@ -1048,14 +1048,14 @@
           <a:ln/>
           <a:extLst>
             <a:ext uri="{909E8E84-426E-40dd-AFC4-6F175D3DCCD1}">
-              <a14:hiddenFill xmlns="" xmlns:a14="http://schemas.microsoft.com/office/drawing/2010/main">
+              <a14:hiddenFill xmlns:a14="http://schemas.microsoft.com/office/drawing/2010/main" xmlns="">
                 <a:solidFill>
                   <a:srgbClr val="FFFFFF"/>
                 </a:solidFill>
               </a14:hiddenFill>
             </a:ext>
             <a:ext uri="{91240B29-F687-4f45-9708-019B960494DF}">
-              <a14:hiddenLine xmlns="" xmlns:a14="http://schemas.microsoft.com/office/drawing/2010/main" w="9525">
+              <a14:hiddenLine xmlns:a14="http://schemas.microsoft.com/office/drawing/2010/main" xmlns="" w="9525">
                 <a:solidFill>
                   <a:srgbClr val="000000"/>
                 </a:solidFill>
@@ -1097,14 +1097,14 @@
           <a:ln/>
           <a:extLst>
             <a:ext uri="{909E8E84-426E-40dd-AFC4-6F175D3DCCD1}">
-              <a14:hiddenFill xmlns="" xmlns:a14="http://schemas.microsoft.com/office/drawing/2010/main">
+              <a14:hiddenFill xmlns:a14="http://schemas.microsoft.com/office/drawing/2010/main" xmlns="">
                 <a:solidFill>
                   <a:srgbClr val="FFFFFF"/>
                 </a:solidFill>
               </a14:hiddenFill>
             </a:ext>
             <a:ext uri="{91240B29-F687-4f45-9708-019B960494DF}">
-              <a14:hiddenLine xmlns="" xmlns:a14="http://schemas.microsoft.com/office/drawing/2010/main" w="9525">
+              <a14:hiddenLine xmlns:a14="http://schemas.microsoft.com/office/drawing/2010/main" xmlns="" w="9525">
                 <a:solidFill>
                   <a:srgbClr val="000000"/>
                 </a:solidFill>
@@ -1305,7 +1305,7 @@
           </a:ln>
           <a:extLst>
             <a:ext uri="{91240B29-F687-4f45-9708-019B960494DF}">
-              <a14:hiddenLine xmlns="" xmlns:a14="http://schemas.microsoft.com/office/drawing/2010/main" w="9525">
+              <a14:hiddenLine xmlns:a14="http://schemas.microsoft.com/office/drawing/2010/main" xmlns="" w="9525">
                 <a:solidFill>
                   <a:srgbClr val="000000"/>
                 </a:solidFill>
@@ -1471,14 +1471,14 @@
           </a:ln>
           <a:extLst>
             <a:ext uri="{909E8E84-426E-40dd-AFC4-6F175D3DCCD1}">
-              <a14:hiddenFill xmlns="" xmlns:a14="http://schemas.microsoft.com/office/drawing/2010/main">
+              <a14:hiddenFill xmlns:a14="http://schemas.microsoft.com/office/drawing/2010/main" xmlns="">
                 <a:solidFill>
                   <a:srgbClr val="FFFFFF"/>
                 </a:solidFill>
               </a14:hiddenFill>
             </a:ext>
             <a:ext uri="{91240B29-F687-4f45-9708-019B960494DF}">
-              <a14:hiddenLine xmlns="" xmlns:a14="http://schemas.microsoft.com/office/drawing/2010/main" w="9525">
+              <a14:hiddenLine xmlns:a14="http://schemas.microsoft.com/office/drawing/2010/main" xmlns="" w="9525">
                 <a:solidFill>
                   <a:srgbClr val="000000"/>
                 </a:solidFill>
@@ -3712,7 +3712,7 @@
             </a:ln>
             <a:extLst>
               <a:ext uri="{91240B29-F687-4f45-9708-019B960494DF}">
-                <a14:hiddenLine xmlns="" xmlns:a14="http://schemas.microsoft.com/office/drawing/2010/main" w="9525">
+                <a14:hiddenLine xmlns:a14="http://schemas.microsoft.com/office/drawing/2010/main" xmlns="" w="9525">
                   <a:solidFill>
                     <a:srgbClr val="000000"/>
                   </a:solidFill>
@@ -3875,7 +3875,7 @@
             </a:ln>
             <a:extLst>
               <a:ext uri="{91240B29-F687-4f45-9708-019B960494DF}">
-                <a14:hiddenLine xmlns="" xmlns:a14="http://schemas.microsoft.com/office/drawing/2010/main" w="9525">
+                <a14:hiddenLine xmlns:a14="http://schemas.microsoft.com/office/drawing/2010/main" xmlns="" w="9525">
                   <a:solidFill>
                     <a:srgbClr val="000000"/>
                   </a:solidFill>
@@ -4031,14 +4031,14 @@
           </a:ln>
           <a:extLst>
             <a:ext uri="{909E8E84-426E-40dd-AFC4-6F175D3DCCD1}">
-              <a14:hiddenFill xmlns="" xmlns:a14="http://schemas.microsoft.com/office/drawing/2010/main">
+              <a14:hiddenFill xmlns:a14="http://schemas.microsoft.com/office/drawing/2010/main" xmlns="">
                 <a:solidFill>
                   <a:srgbClr val="FFFFFF"/>
                 </a:solidFill>
               </a14:hiddenFill>
             </a:ext>
             <a:ext uri="{91240B29-F687-4f45-9708-019B960494DF}">
-              <a14:hiddenLine xmlns="" xmlns:a14="http://schemas.microsoft.com/office/drawing/2010/main" w="9525">
+              <a14:hiddenLine xmlns:a14="http://schemas.microsoft.com/office/drawing/2010/main" xmlns="" w="9525">
                 <a:solidFill>
                   <a:srgbClr val="000000"/>
                 </a:solidFill>
@@ -4095,14 +4095,14 @@
           </a:ln>
           <a:extLst>
             <a:ext uri="{909E8E84-426E-40dd-AFC4-6F175D3DCCD1}">
-              <a14:hiddenFill xmlns="" xmlns:a14="http://schemas.microsoft.com/office/drawing/2010/main">
+              <a14:hiddenFill xmlns:a14="http://schemas.microsoft.com/office/drawing/2010/main" xmlns="">
                 <a:solidFill>
                   <a:srgbClr val="FFFFFF"/>
                 </a:solidFill>
               </a14:hiddenFill>
             </a:ext>
             <a:ext uri="{91240B29-F687-4f45-9708-019B960494DF}">
-              <a14:hiddenLine xmlns="" xmlns:a14="http://schemas.microsoft.com/office/drawing/2010/main" w="9525">
+              <a14:hiddenLine xmlns:a14="http://schemas.microsoft.com/office/drawing/2010/main" xmlns="" w="9525">
                 <a:solidFill>
                   <a:srgbClr val="000000"/>
                 </a:solidFill>
@@ -4198,14 +4198,14 @@
           </a:ln>
           <a:extLst>
             <a:ext uri="{909E8E84-426E-40dd-AFC4-6F175D3DCCD1}">
-              <a14:hiddenFill xmlns="" xmlns:a14="http://schemas.microsoft.com/office/drawing/2010/main">
+              <a14:hiddenFill xmlns:a14="http://schemas.microsoft.com/office/drawing/2010/main" xmlns="">
                 <a:solidFill>
                   <a:srgbClr val="FFFFFF"/>
                 </a:solidFill>
               </a14:hiddenFill>
             </a:ext>
             <a:ext uri="{91240B29-F687-4f45-9708-019B960494DF}">
-              <a14:hiddenLine xmlns="" xmlns:a14="http://schemas.microsoft.com/office/drawing/2010/main" w="9525">
+              <a14:hiddenLine xmlns:a14="http://schemas.microsoft.com/office/drawing/2010/main" xmlns="" w="9525">
                 <a:solidFill>
                   <a:srgbClr val="000000"/>
                 </a:solidFill>
@@ -4777,14 +4777,14 @@
           </a:ln>
           <a:extLst>
             <a:ext uri="{909E8E84-426E-40dd-AFC4-6F175D3DCCD1}">
-              <a14:hiddenFill xmlns="" xmlns:a14="http://schemas.microsoft.com/office/drawing/2010/main">
+              <a14:hiddenFill xmlns:a14="http://schemas.microsoft.com/office/drawing/2010/main" xmlns="">
                 <a:solidFill>
                   <a:srgbClr val="FFFFFF"/>
                 </a:solidFill>
               </a14:hiddenFill>
             </a:ext>
             <a:ext uri="{91240B29-F687-4f45-9708-019B960494DF}">
-              <a14:hiddenLine xmlns="" xmlns:a14="http://schemas.microsoft.com/office/drawing/2010/main" w="9525">
+              <a14:hiddenLine xmlns:a14="http://schemas.microsoft.com/office/drawing/2010/main" xmlns="" w="9525">
                 <a:solidFill>
                   <a:srgbClr val="000000"/>
                 </a:solidFill>
@@ -4907,14 +4907,14 @@
           </a:ln>
           <a:extLst>
             <a:ext uri="{909E8E84-426E-40dd-AFC4-6F175D3DCCD1}">
-              <a14:hiddenFill xmlns="" xmlns:a14="http://schemas.microsoft.com/office/drawing/2010/main">
+              <a14:hiddenFill xmlns:a14="http://schemas.microsoft.com/office/drawing/2010/main" xmlns="">
                 <a:solidFill>
                   <a:srgbClr val="FFFFFF"/>
                 </a:solidFill>
               </a14:hiddenFill>
             </a:ext>
             <a:ext uri="{91240B29-F687-4f45-9708-019B960494DF}">
-              <a14:hiddenLine xmlns="" xmlns:a14="http://schemas.microsoft.com/office/drawing/2010/main" w="9525">
+              <a14:hiddenLine xmlns:a14="http://schemas.microsoft.com/office/drawing/2010/main" xmlns="" w="9525">
                 <a:solidFill>
                   <a:srgbClr val="000000"/>
                 </a:solidFill>
@@ -6159,7 +6159,7 @@
               <a:rPr lang="en-US" sz="2000" dirty="0">
                 <a:hlinkClick r:id="rId2"/>
               </a:rPr>
-              <a:t>https://wonsunahn.github.io/Capstone_Spring2024/final_paper</a:t>
+              <a:t>https://wonsunahn.github.io/Capstone_Fall2024/final_paper</a:t>
             </a:r>
             <a:endParaRPr lang="en-US" sz="2000" dirty="0"/>
           </a:p>
@@ -6879,7 +6879,7 @@
           <a:p>
             <a:r>
               <a:rPr lang="en-US" altLang="en-US" dirty="0"/>
-              <a:t>~2 talks per day. 50 / 2 = 25 minutes per talk.</a:t>
+              <a:t>~5 talks per day. 50 / 2 = 10 minutes per talk.</a:t>
             </a:r>
           </a:p>
           <a:p>
@@ -6888,7 +6888,7 @@
           <a:p>
             <a:r>
               <a:rPr lang="en-US" altLang="en-US" dirty="0"/>
-              <a:t>10-15 minutes: Presentation talk</a:t>
+              <a:t>5 minutes: Presentation talk</a:t>
             </a:r>
           </a:p>
           <a:p>
@@ -6906,13 +6906,28 @@
             </a:r>
           </a:p>
           <a:p>
+            <a:r>
+              <a:rPr lang="en-US" altLang="en-US" dirty="0"/>
+              <a:t>3 minutes: Q &amp; A</a:t>
+            </a:r>
+          </a:p>
+          <a:p>
+            <a:r>
+              <a:rPr lang="en-US" altLang="en-US" dirty="0"/>
+              <a:t>2 minutes: Intermission</a:t>
+            </a:r>
+          </a:p>
+          <a:p>
+            <a:pPr lvl="1"/>
+            <a:r>
+              <a:rPr lang="en-US" altLang="en-US" dirty="0"/>
+              <a:t>Switch speakers, audience completes </a:t>
+            </a:r>
+            <a:r>
+              <a:rPr lang="en-US" altLang="en-US"/>
+              <a:t>peer feedback</a:t>
+            </a:r>
             <a:endParaRPr lang="en-US" altLang="en-US" dirty="0"/>
-          </a:p>
-          <a:p>
-            <a:r>
-              <a:rPr lang="en-US" altLang="en-US" dirty="0"/>
-              <a:t>10 minutes: Q &amp; A</a:t>
-            </a:r>
           </a:p>
           <a:p>
             <a:endParaRPr lang="en-US" altLang="en-US" dirty="0">
@@ -7119,7 +7134,7 @@
                                         <p:tgtEl>
                                           <p:spTgt spid="3">
                                             <p:txEl>
-                                              <p:pRg st="5" end="5"/>
+                                              <p:pRg st="4" end="4"/>
                                             </p:txEl>
                                           </p:spTgt>
                                         </p:tgtEl>
@@ -7168,7 +7183,7 @@
                                         <p:tgtEl>
                                           <p:spTgt spid="3">
                                             <p:txEl>
-                                              <p:pRg st="7" end="7"/>
+                                              <p:pRg st="5" end="5"/>
                                             </p:txEl>
                                           </p:spTgt>
                                         </p:tgtEl>
@@ -7199,7 +7214,87 @@
                                         <p:tgtEl>
                                           <p:spTgt spid="3">
                                             <p:txEl>
+                                              <p:pRg st="6" end="6"/>
+                                            </p:txEl>
+                                          </p:spTgt>
+                                        </p:tgtEl>
+                                        <p:attrNameLst>
+                                          <p:attrName>style.visibility</p:attrName>
+                                        </p:attrNameLst>
+                                      </p:cBhvr>
+                                      <p:to>
+                                        <p:strVal val="visible"/>
+                                      </p:to>
+                                    </p:set>
+                                  </p:childTnLst>
+                                </p:cTn>
+                              </p:par>
+                            </p:childTnLst>
+                          </p:cTn>
+                        </p:par>
+                      </p:childTnLst>
+                    </p:cTn>
+                  </p:par>
+                  <p:par>
+                    <p:cTn id="23" fill="hold">
+                      <p:stCondLst>
+                        <p:cond delay="indefinite"/>
+                      </p:stCondLst>
+                      <p:childTnLst>
+                        <p:par>
+                          <p:cTn id="24" fill="hold">
+                            <p:stCondLst>
+                              <p:cond delay="0"/>
+                            </p:stCondLst>
+                            <p:childTnLst>
+                              <p:par>
+                                <p:cTn id="25" presetID="1" presetClass="entr" presetSubtype="0" fill="hold" grpId="0" nodeType="clickEffect">
+                                  <p:stCondLst>
+                                    <p:cond delay="0"/>
+                                  </p:stCondLst>
+                                  <p:childTnLst>
+                                    <p:set>
+                                      <p:cBhvr>
+                                        <p:cTn id="26" dur="1" fill="hold">
+                                          <p:stCondLst>
+                                            <p:cond delay="0"/>
+                                          </p:stCondLst>
+                                        </p:cTn>
+                                        <p:tgtEl>
+                                          <p:spTgt spid="3">
+                                            <p:txEl>
                                               <p:pRg st="8" end="8"/>
+                                            </p:txEl>
+                                          </p:spTgt>
+                                        </p:tgtEl>
+                                        <p:attrNameLst>
+                                          <p:attrName>style.visibility</p:attrName>
+                                        </p:attrNameLst>
+                                      </p:cBhvr>
+                                      <p:to>
+                                        <p:strVal val="visible"/>
+                                      </p:to>
+                                    </p:set>
+                                  </p:childTnLst>
+                                </p:cTn>
+                              </p:par>
+                              <p:par>
+                                <p:cTn id="27" presetID="1" presetClass="entr" presetSubtype="0" fill="hold" grpId="0" nodeType="withEffect">
+                                  <p:stCondLst>
+                                    <p:cond delay="0"/>
+                                  </p:stCondLst>
+                                  <p:childTnLst>
+                                    <p:set>
+                                      <p:cBhvr>
+                                        <p:cTn id="28" dur="1" fill="hold">
+                                          <p:stCondLst>
+                                            <p:cond delay="0"/>
+                                          </p:stCondLst>
+                                        </p:cTn>
+                                        <p:tgtEl>
+                                          <p:spTgt spid="3">
+                                            <p:txEl>
+                                              <p:pRg st="9" end="9"/>
                                             </p:txEl>
                                           </p:spTgt>
                                         </p:tgtEl>

--- a/lectures/introduction-internship.pptx
+++ b/lectures/introduction-internship.pptx
@@ -381,7 +381,7 @@
             <a:fld id="{8AD1700A-0812-4960-BDAF-BBEBDA6F415D}" type="datetime1">
               <a:rPr lang="en-US" altLang="en-US"/>
               <a:pPr/>
-              <a:t>8/19/2024</a:t>
+              <a:t>8/30/2024</a:t>
             </a:fld>
             <a:endParaRPr lang="en-US" altLang="en-US"/>
           </a:p>
@@ -663,7 +663,7 @@
           </a:ln>
           <a:extLst>
             <a:ext uri="{909E8E84-426E-40dd-AFC4-6F175D3DCCD1}">
-              <a14:hiddenFill xmlns:a14="http://schemas.microsoft.com/office/drawing/2010/main" xmlns="">
+              <a14:hiddenFill xmlns="" xmlns:a14="http://schemas.microsoft.com/office/drawing/2010/main">
                 <a:solidFill>
                   <a:srgbClr val="FFFFFF"/>
                 </a:solidFill>
@@ -1048,14 +1048,14 @@
           <a:ln/>
           <a:extLst>
             <a:ext uri="{909E8E84-426E-40dd-AFC4-6F175D3DCCD1}">
-              <a14:hiddenFill xmlns:a14="http://schemas.microsoft.com/office/drawing/2010/main" xmlns="">
+              <a14:hiddenFill xmlns="" xmlns:a14="http://schemas.microsoft.com/office/drawing/2010/main">
                 <a:solidFill>
                   <a:srgbClr val="FFFFFF"/>
                 </a:solidFill>
               </a14:hiddenFill>
             </a:ext>
             <a:ext uri="{91240B29-F687-4f45-9708-019B960494DF}">
-              <a14:hiddenLine xmlns:a14="http://schemas.microsoft.com/office/drawing/2010/main" xmlns="" w="9525">
+              <a14:hiddenLine xmlns="" xmlns:a14="http://schemas.microsoft.com/office/drawing/2010/main" w="9525">
                 <a:solidFill>
                   <a:srgbClr val="000000"/>
                 </a:solidFill>
@@ -1097,14 +1097,14 @@
           <a:ln/>
           <a:extLst>
             <a:ext uri="{909E8E84-426E-40dd-AFC4-6F175D3DCCD1}">
-              <a14:hiddenFill xmlns:a14="http://schemas.microsoft.com/office/drawing/2010/main" xmlns="">
+              <a14:hiddenFill xmlns="" xmlns:a14="http://schemas.microsoft.com/office/drawing/2010/main">
                 <a:solidFill>
                   <a:srgbClr val="FFFFFF"/>
                 </a:solidFill>
               </a14:hiddenFill>
             </a:ext>
             <a:ext uri="{91240B29-F687-4f45-9708-019B960494DF}">
-              <a14:hiddenLine xmlns:a14="http://schemas.microsoft.com/office/drawing/2010/main" xmlns="" w="9525">
+              <a14:hiddenLine xmlns="" xmlns:a14="http://schemas.microsoft.com/office/drawing/2010/main" w="9525">
                 <a:solidFill>
                   <a:srgbClr val="000000"/>
                 </a:solidFill>
@@ -1305,7 +1305,7 @@
           </a:ln>
           <a:extLst>
             <a:ext uri="{91240B29-F687-4f45-9708-019B960494DF}">
-              <a14:hiddenLine xmlns:a14="http://schemas.microsoft.com/office/drawing/2010/main" xmlns="" w="9525">
+              <a14:hiddenLine xmlns="" xmlns:a14="http://schemas.microsoft.com/office/drawing/2010/main" w="9525">
                 <a:solidFill>
                   <a:srgbClr val="000000"/>
                 </a:solidFill>
@@ -1471,14 +1471,14 @@
           </a:ln>
           <a:extLst>
             <a:ext uri="{909E8E84-426E-40dd-AFC4-6F175D3DCCD1}">
-              <a14:hiddenFill xmlns:a14="http://schemas.microsoft.com/office/drawing/2010/main" xmlns="">
+              <a14:hiddenFill xmlns="" xmlns:a14="http://schemas.microsoft.com/office/drawing/2010/main">
                 <a:solidFill>
                   <a:srgbClr val="FFFFFF"/>
                 </a:solidFill>
               </a14:hiddenFill>
             </a:ext>
             <a:ext uri="{91240B29-F687-4f45-9708-019B960494DF}">
-              <a14:hiddenLine xmlns:a14="http://schemas.microsoft.com/office/drawing/2010/main" xmlns="" w="9525">
+              <a14:hiddenLine xmlns="" xmlns:a14="http://schemas.microsoft.com/office/drawing/2010/main" w="9525">
                 <a:solidFill>
                   <a:srgbClr val="000000"/>
                 </a:solidFill>
@@ -3712,7 +3712,7 @@
             </a:ln>
             <a:extLst>
               <a:ext uri="{91240B29-F687-4f45-9708-019B960494DF}">
-                <a14:hiddenLine xmlns:a14="http://schemas.microsoft.com/office/drawing/2010/main" xmlns="" w="9525">
+                <a14:hiddenLine xmlns="" xmlns:a14="http://schemas.microsoft.com/office/drawing/2010/main" w="9525">
                   <a:solidFill>
                     <a:srgbClr val="000000"/>
                   </a:solidFill>
@@ -3875,7 +3875,7 @@
             </a:ln>
             <a:extLst>
               <a:ext uri="{91240B29-F687-4f45-9708-019B960494DF}">
-                <a14:hiddenLine xmlns:a14="http://schemas.microsoft.com/office/drawing/2010/main" xmlns="" w="9525">
+                <a14:hiddenLine xmlns="" xmlns:a14="http://schemas.microsoft.com/office/drawing/2010/main" w="9525">
                   <a:solidFill>
                     <a:srgbClr val="000000"/>
                   </a:solidFill>
@@ -4031,14 +4031,14 @@
           </a:ln>
           <a:extLst>
             <a:ext uri="{909E8E84-426E-40dd-AFC4-6F175D3DCCD1}">
-              <a14:hiddenFill xmlns:a14="http://schemas.microsoft.com/office/drawing/2010/main" xmlns="">
+              <a14:hiddenFill xmlns="" xmlns:a14="http://schemas.microsoft.com/office/drawing/2010/main">
                 <a:solidFill>
                   <a:srgbClr val="FFFFFF"/>
                 </a:solidFill>
               </a14:hiddenFill>
             </a:ext>
             <a:ext uri="{91240B29-F687-4f45-9708-019B960494DF}">
-              <a14:hiddenLine xmlns:a14="http://schemas.microsoft.com/office/drawing/2010/main" xmlns="" w="9525">
+              <a14:hiddenLine xmlns="" xmlns:a14="http://schemas.microsoft.com/office/drawing/2010/main" w="9525">
                 <a:solidFill>
                   <a:srgbClr val="000000"/>
                 </a:solidFill>
@@ -4095,14 +4095,14 @@
           </a:ln>
           <a:extLst>
             <a:ext uri="{909E8E84-426E-40dd-AFC4-6F175D3DCCD1}">
-              <a14:hiddenFill xmlns:a14="http://schemas.microsoft.com/office/drawing/2010/main" xmlns="">
+              <a14:hiddenFill xmlns="" xmlns:a14="http://schemas.microsoft.com/office/drawing/2010/main">
                 <a:solidFill>
                   <a:srgbClr val="FFFFFF"/>
                 </a:solidFill>
               </a14:hiddenFill>
             </a:ext>
             <a:ext uri="{91240B29-F687-4f45-9708-019B960494DF}">
-              <a14:hiddenLine xmlns:a14="http://schemas.microsoft.com/office/drawing/2010/main" xmlns="" w="9525">
+              <a14:hiddenLine xmlns="" xmlns:a14="http://schemas.microsoft.com/office/drawing/2010/main" w="9525">
                 <a:solidFill>
                   <a:srgbClr val="000000"/>
                 </a:solidFill>
@@ -4198,14 +4198,14 @@
           </a:ln>
           <a:extLst>
             <a:ext uri="{909E8E84-426E-40dd-AFC4-6F175D3DCCD1}">
-              <a14:hiddenFill xmlns:a14="http://schemas.microsoft.com/office/drawing/2010/main" xmlns="">
+              <a14:hiddenFill xmlns="" xmlns:a14="http://schemas.microsoft.com/office/drawing/2010/main">
                 <a:solidFill>
                   <a:srgbClr val="FFFFFF"/>
                 </a:solidFill>
               </a14:hiddenFill>
             </a:ext>
             <a:ext uri="{91240B29-F687-4f45-9708-019B960494DF}">
-              <a14:hiddenLine xmlns:a14="http://schemas.microsoft.com/office/drawing/2010/main" xmlns="" w="9525">
+              <a14:hiddenLine xmlns="" xmlns:a14="http://schemas.microsoft.com/office/drawing/2010/main" w="9525">
                 <a:solidFill>
                   <a:srgbClr val="000000"/>
                 </a:solidFill>
@@ -4777,14 +4777,14 @@
           </a:ln>
           <a:extLst>
             <a:ext uri="{909E8E84-426E-40dd-AFC4-6F175D3DCCD1}">
-              <a14:hiddenFill xmlns:a14="http://schemas.microsoft.com/office/drawing/2010/main" xmlns="">
+              <a14:hiddenFill xmlns="" xmlns:a14="http://schemas.microsoft.com/office/drawing/2010/main">
                 <a:solidFill>
                   <a:srgbClr val="FFFFFF"/>
                 </a:solidFill>
               </a14:hiddenFill>
             </a:ext>
             <a:ext uri="{91240B29-F687-4f45-9708-019B960494DF}">
-              <a14:hiddenLine xmlns:a14="http://schemas.microsoft.com/office/drawing/2010/main" xmlns="" w="9525">
+              <a14:hiddenLine xmlns="" xmlns:a14="http://schemas.microsoft.com/office/drawing/2010/main" w="9525">
                 <a:solidFill>
                   <a:srgbClr val="000000"/>
                 </a:solidFill>
@@ -4907,14 +4907,14 @@
           </a:ln>
           <a:extLst>
             <a:ext uri="{909E8E84-426E-40dd-AFC4-6F175D3DCCD1}">
-              <a14:hiddenFill xmlns:a14="http://schemas.microsoft.com/office/drawing/2010/main" xmlns="">
+              <a14:hiddenFill xmlns="" xmlns:a14="http://schemas.microsoft.com/office/drawing/2010/main">
                 <a:solidFill>
                   <a:srgbClr val="FFFFFF"/>
                 </a:solidFill>
               </a14:hiddenFill>
             </a:ext>
             <a:ext uri="{91240B29-F687-4f45-9708-019B960494DF}">
-              <a14:hiddenLine xmlns:a14="http://schemas.microsoft.com/office/drawing/2010/main" xmlns="" w="9525">
+              <a14:hiddenLine xmlns="" xmlns:a14="http://schemas.microsoft.com/office/drawing/2010/main" w="9525">
                 <a:solidFill>
                   <a:srgbClr val="000000"/>
                 </a:solidFill>
@@ -5501,7 +5501,7 @@
         <p:spPr>
           <a:xfrm>
             <a:off x="685800" y="1371600"/>
-            <a:ext cx="8077200" cy="4724400"/>
+            <a:ext cx="8458200" cy="4724400"/>
           </a:xfrm>
         </p:spPr>
         <p:txBody>
@@ -5526,21 +5526,21 @@
           <a:p>
             <a:r>
               <a:rPr lang="en-US" dirty="0"/>
-              <a:t>Positive comments are as valuable as “negative” ones</a:t>
+              <a:t>Positive feedback is as valuable as constructive feedback</a:t>
             </a:r>
           </a:p>
           <a:p>
             <a:pPr lvl="1"/>
             <a:r>
               <a:rPr lang="en-US" dirty="0"/>
-              <a:t>Important thing is to be specific with either</a:t>
+              <a:t>Remember most are new to public speaking; be encouraging!</a:t>
             </a:r>
           </a:p>
           <a:p>
             <a:pPr lvl="1"/>
             <a:r>
               <a:rPr lang="en-US" dirty="0"/>
-              <a:t>“I loved your talk” is not helpful beyond giving a warm feeling</a:t>
+              <a:t>Remember that constructive is not the same as negative.</a:t>
             </a:r>
           </a:p>
           <a:p>
@@ -5550,32 +5550,22 @@
           <a:p>
             <a:r>
               <a:rPr lang="en-US" dirty="0"/>
-              <a:t>A constructive comment does not:</a:t>
+              <a:t>Be specific with your feedback</a:t>
             </a:r>
           </a:p>
           <a:p>
             <a:pPr lvl="1"/>
             <a:r>
               <a:rPr lang="en-US" dirty="0"/>
-              <a:t>Humiliate your peer</a:t>
+              <a:t>Regardless of whether it is positive or constructive</a:t>
             </a:r>
           </a:p>
           <a:p>
             <a:pPr lvl="1"/>
             <a:r>
               <a:rPr lang="en-US" dirty="0"/>
-              <a:t>Complain about how much time was wasted listening</a:t>
-            </a:r>
-          </a:p>
-          <a:p>
-            <a:pPr lvl="1"/>
-            <a:r>
-              <a:rPr lang="en-US" dirty="0"/>
-              <a:t>Use wording that triggers an emotional response</a:t>
-            </a:r>
-          </a:p>
-          <a:p>
-            <a:endParaRPr lang="en-US" dirty="0"/>
+              <a:t>Instead of “I loved it” say “I loved how engaging you were”</a:t>
+            </a:r>
           </a:p>
         </p:txBody>
       </p:sp>
@@ -6108,21 +6098,14 @@
             </a:pPr>
             <a:r>
               <a:rPr lang="en-US" dirty="0"/>
-              <a:t>Well organized paper with sections and subsections</a:t>
+              <a:t>Whether you had any insurmountable difficulties</a:t>
             </a:r>
           </a:p>
           <a:p>
             <a:pPr marL="857250" lvl="1" indent="-457200"/>
             <a:r>
               <a:rPr lang="en-US" dirty="0"/>
-              <a:t>Goals, implementation, and outcomes are clearly stated</a:t>
-            </a:r>
-          </a:p>
-          <a:p>
-            <a:pPr marL="857250" lvl="1" indent="-457200"/>
-            <a:r>
-              <a:rPr lang="en-US" dirty="0"/>
-              <a:t>Each section, paragraph, and sentence has clear focus</a:t>
+              <a:t>Purpose is to compile a “blacklist” for advising future students</a:t>
             </a:r>
           </a:p>
           <a:p>
@@ -6132,14 +6115,21 @@
             </a:pPr>
             <a:r>
               <a:rPr lang="en-US" dirty="0"/>
-              <a:t>Whether you had any insurmountable difficulties</a:t>
+              <a:t>Well organized paper with sections and subsections</a:t>
             </a:r>
           </a:p>
           <a:p>
             <a:pPr marL="857250" lvl="1" indent="-457200"/>
             <a:r>
               <a:rPr lang="en-US" dirty="0"/>
-              <a:t>Purpose is to compile a “blacklist” for advising future students</a:t>
+              <a:t>Goals, implementation, and outcomes are clearly stated</a:t>
+            </a:r>
+          </a:p>
+          <a:p>
+            <a:pPr marL="857250" lvl="1" indent="-457200"/>
+            <a:r>
+              <a:rPr lang="en-US" dirty="0"/>
+              <a:t>Each section, paragraph, and sentence has clear focus</a:t>
             </a:r>
           </a:p>
           <a:p>
@@ -6150,7 +6140,7 @@
             <a:pPr marL="457200" indent="-457200"/>
             <a:r>
               <a:rPr lang="en-US" dirty="0"/>
-              <a:t>For details, refer to:</a:t>
+              <a:t>There is a link to a template (and more) on this URL:</a:t>
             </a:r>
             <a:br>
               <a:rPr lang="en-US" dirty="0"/>
@@ -6708,7 +6698,7 @@
         <p:spPr>
           <a:xfrm>
             <a:off x="685800" y="1371600"/>
-            <a:ext cx="7924800" cy="4724400"/>
+            <a:ext cx="8458200" cy="4724400"/>
           </a:xfrm>
         </p:spPr>
         <p:txBody>
@@ -6757,19 +6747,26 @@
               <a:rPr lang="en-US" altLang="en-US" dirty="0"/>
               <a:t>Put title, name, and project on cover page</a:t>
             </a:r>
-            <a:br>
+          </a:p>
+          <a:p>
+            <a:pPr lvl="2"/>
+            <a:r>
               <a:rPr lang="en-US" altLang="en-US" dirty="0"/>
-            </a:br>
+              <a:t>So that your friends know who you are and where you worked</a:t>
+            </a:r>
+          </a:p>
+          <a:p>
+            <a:pPr lvl="1"/>
             <a:r>
               <a:rPr lang="en-US" altLang="en-US" dirty="0"/>
-              <a:t>(So your friends know who you are and where you worked)</a:t>
-            </a:r>
-          </a:p>
-          <a:p>
-            <a:pPr lvl="1"/>
+              <a:t>Put company or project logo/name in slide template</a:t>
+            </a:r>
+          </a:p>
+          <a:p>
+            <a:pPr lvl="2"/>
             <a:r>
               <a:rPr lang="en-US" altLang="en-US" dirty="0"/>
-              <a:t>Number your slides</a:t>
+              <a:t>To remind the audience where you worked throughout the talk</a:t>
             </a:r>
           </a:p>
           <a:p>
@@ -6879,7 +6876,7 @@
           <a:p>
             <a:r>
               <a:rPr lang="en-US" altLang="en-US" dirty="0"/>
-              <a:t>~5 talks per day. 50 / 2 = 10 minutes per talk.</a:t>
+              <a:t>~5 talks per day. 50 / 5 = 10 minutes per talk.</a:t>
             </a:r>
           </a:p>
           <a:p>
@@ -6921,13 +6918,8 @@
             <a:pPr lvl="1"/>
             <a:r>
               <a:rPr lang="en-US" altLang="en-US" dirty="0"/>
-              <a:t>Switch speakers, audience completes </a:t>
-            </a:r>
-            <a:r>
-              <a:rPr lang="en-US" altLang="en-US"/>
-              <a:t>peer feedback</a:t>
-            </a:r>
-            <a:endParaRPr lang="en-US" altLang="en-US" dirty="0"/>
+              <a:t>Switch speakers, audience completes peer feedback</a:t>
+            </a:r>
           </a:p>
           <a:p>
             <a:endParaRPr lang="en-US" altLang="en-US" dirty="0">
@@ -6954,7 +6946,7 @@
             <a:pPr lvl="1"/>
             <a:r>
               <a:rPr lang="en-US" altLang="en-US" dirty="0"/>
-              <a:t>I may have to cut you off if you go over 25 minutes</a:t>
+              <a:t>I will cut you off if you go over 8 minutes with no warning</a:t>
             </a:r>
           </a:p>
         </p:txBody>
@@ -6969,377 +6961,6 @@
   <p:clrMapOvr>
     <a:masterClrMapping/>
   </p:clrMapOvr>
-  <p:timing>
-    <p:tnLst>
-      <p:par>
-        <p:cTn id="1" dur="indefinite" restart="never" nodeType="tmRoot">
-          <p:childTnLst>
-            <p:seq concurrent="1" nextAc="seek">
-              <p:cTn id="2" dur="indefinite" nodeType="mainSeq">
-                <p:childTnLst>
-                  <p:par>
-                    <p:cTn id="3" fill="hold">
-                      <p:stCondLst>
-                        <p:cond delay="indefinite"/>
-                      </p:stCondLst>
-                      <p:childTnLst>
-                        <p:par>
-                          <p:cTn id="4" fill="hold">
-                            <p:stCondLst>
-                              <p:cond delay="0"/>
-                            </p:stCondLst>
-                            <p:childTnLst>
-                              <p:par>
-                                <p:cTn id="5" presetID="1" presetClass="entr" presetSubtype="0" fill="hold" grpId="0" nodeType="clickEffect">
-                                  <p:stCondLst>
-                                    <p:cond delay="0"/>
-                                  </p:stCondLst>
-                                  <p:childTnLst>
-                                    <p:set>
-                                      <p:cBhvr>
-                                        <p:cTn id="6" dur="1" fill="hold">
-                                          <p:stCondLst>
-                                            <p:cond delay="0"/>
-                                          </p:stCondLst>
-                                        </p:cTn>
-                                        <p:tgtEl>
-                                          <p:spTgt spid="3">
-                                            <p:txEl>
-                                              <p:pRg st="0" end="0"/>
-                                            </p:txEl>
-                                          </p:spTgt>
-                                        </p:tgtEl>
-                                        <p:attrNameLst>
-                                          <p:attrName>style.visibility</p:attrName>
-                                        </p:attrNameLst>
-                                      </p:cBhvr>
-                                      <p:to>
-                                        <p:strVal val="visible"/>
-                                      </p:to>
-                                    </p:set>
-                                  </p:childTnLst>
-                                </p:cTn>
-                              </p:par>
-                            </p:childTnLst>
-                          </p:cTn>
-                        </p:par>
-                      </p:childTnLst>
-                    </p:cTn>
-                  </p:par>
-                  <p:par>
-                    <p:cTn id="7" fill="hold">
-                      <p:stCondLst>
-                        <p:cond delay="indefinite"/>
-                      </p:stCondLst>
-                      <p:childTnLst>
-                        <p:par>
-                          <p:cTn id="8" fill="hold">
-                            <p:stCondLst>
-                              <p:cond delay="0"/>
-                            </p:stCondLst>
-                            <p:childTnLst>
-                              <p:par>
-                                <p:cTn id="9" presetID="1" presetClass="entr" presetSubtype="0" fill="hold" grpId="0" nodeType="clickEffect">
-                                  <p:stCondLst>
-                                    <p:cond delay="0"/>
-                                  </p:stCondLst>
-                                  <p:childTnLst>
-                                    <p:set>
-                                      <p:cBhvr>
-                                        <p:cTn id="10" dur="1" fill="hold">
-                                          <p:stCondLst>
-                                            <p:cond delay="0"/>
-                                          </p:stCondLst>
-                                        </p:cTn>
-                                        <p:tgtEl>
-                                          <p:spTgt spid="3">
-                                            <p:txEl>
-                                              <p:pRg st="2" end="2"/>
-                                            </p:txEl>
-                                          </p:spTgt>
-                                        </p:tgtEl>
-                                        <p:attrNameLst>
-                                          <p:attrName>style.visibility</p:attrName>
-                                        </p:attrNameLst>
-                                      </p:cBhvr>
-                                      <p:to>
-                                        <p:strVal val="visible"/>
-                                      </p:to>
-                                    </p:set>
-                                  </p:childTnLst>
-                                </p:cTn>
-                              </p:par>
-                              <p:par>
-                                <p:cTn id="11" presetID="1" presetClass="entr" presetSubtype="0" fill="hold" grpId="0" nodeType="withEffect">
-                                  <p:stCondLst>
-                                    <p:cond delay="0"/>
-                                  </p:stCondLst>
-                                  <p:childTnLst>
-                                    <p:set>
-                                      <p:cBhvr>
-                                        <p:cTn id="12" dur="1" fill="hold">
-                                          <p:stCondLst>
-                                            <p:cond delay="0"/>
-                                          </p:stCondLst>
-                                        </p:cTn>
-                                        <p:tgtEl>
-                                          <p:spTgt spid="3">
-                                            <p:txEl>
-                                              <p:pRg st="3" end="3"/>
-                                            </p:txEl>
-                                          </p:spTgt>
-                                        </p:tgtEl>
-                                        <p:attrNameLst>
-                                          <p:attrName>style.visibility</p:attrName>
-                                        </p:attrNameLst>
-                                      </p:cBhvr>
-                                      <p:to>
-                                        <p:strVal val="visible"/>
-                                      </p:to>
-                                    </p:set>
-                                  </p:childTnLst>
-                                </p:cTn>
-                              </p:par>
-                            </p:childTnLst>
-                          </p:cTn>
-                        </p:par>
-                      </p:childTnLst>
-                    </p:cTn>
-                  </p:par>
-                  <p:par>
-                    <p:cTn id="13" fill="hold">
-                      <p:stCondLst>
-                        <p:cond delay="indefinite"/>
-                      </p:stCondLst>
-                      <p:childTnLst>
-                        <p:par>
-                          <p:cTn id="14" fill="hold">
-                            <p:stCondLst>
-                              <p:cond delay="0"/>
-                            </p:stCondLst>
-                            <p:childTnLst>
-                              <p:par>
-                                <p:cTn id="15" presetID="1" presetClass="entr" presetSubtype="0" fill="hold" grpId="0" nodeType="clickEffect">
-                                  <p:stCondLst>
-                                    <p:cond delay="0"/>
-                                  </p:stCondLst>
-                                  <p:childTnLst>
-                                    <p:set>
-                                      <p:cBhvr>
-                                        <p:cTn id="16" dur="1" fill="hold">
-                                          <p:stCondLst>
-                                            <p:cond delay="0"/>
-                                          </p:stCondLst>
-                                        </p:cTn>
-                                        <p:tgtEl>
-                                          <p:spTgt spid="3">
-                                            <p:txEl>
-                                              <p:pRg st="4" end="4"/>
-                                            </p:txEl>
-                                          </p:spTgt>
-                                        </p:tgtEl>
-                                        <p:attrNameLst>
-                                          <p:attrName>style.visibility</p:attrName>
-                                        </p:attrNameLst>
-                                      </p:cBhvr>
-                                      <p:to>
-                                        <p:strVal val="visible"/>
-                                      </p:to>
-                                    </p:set>
-                                  </p:childTnLst>
-                                </p:cTn>
-                              </p:par>
-                            </p:childTnLst>
-                          </p:cTn>
-                        </p:par>
-                      </p:childTnLst>
-                    </p:cTn>
-                  </p:par>
-                  <p:par>
-                    <p:cTn id="17" fill="hold">
-                      <p:stCondLst>
-                        <p:cond delay="indefinite"/>
-                      </p:stCondLst>
-                      <p:childTnLst>
-                        <p:par>
-                          <p:cTn id="18" fill="hold">
-                            <p:stCondLst>
-                              <p:cond delay="0"/>
-                            </p:stCondLst>
-                            <p:childTnLst>
-                              <p:par>
-                                <p:cTn id="19" presetID="1" presetClass="entr" presetSubtype="0" fill="hold" grpId="0" nodeType="clickEffect">
-                                  <p:stCondLst>
-                                    <p:cond delay="0"/>
-                                  </p:stCondLst>
-                                  <p:childTnLst>
-                                    <p:set>
-                                      <p:cBhvr>
-                                        <p:cTn id="20" dur="1" fill="hold">
-                                          <p:stCondLst>
-                                            <p:cond delay="0"/>
-                                          </p:stCondLst>
-                                        </p:cTn>
-                                        <p:tgtEl>
-                                          <p:spTgt spid="3">
-                                            <p:txEl>
-                                              <p:pRg st="5" end="5"/>
-                                            </p:txEl>
-                                          </p:spTgt>
-                                        </p:tgtEl>
-                                        <p:attrNameLst>
-                                          <p:attrName>style.visibility</p:attrName>
-                                        </p:attrNameLst>
-                                      </p:cBhvr>
-                                      <p:to>
-                                        <p:strVal val="visible"/>
-                                      </p:to>
-                                    </p:set>
-                                  </p:childTnLst>
-                                </p:cTn>
-                              </p:par>
-                              <p:par>
-                                <p:cTn id="21" presetID="1" presetClass="entr" presetSubtype="0" fill="hold" grpId="0" nodeType="withEffect">
-                                  <p:stCondLst>
-                                    <p:cond delay="0"/>
-                                  </p:stCondLst>
-                                  <p:childTnLst>
-                                    <p:set>
-                                      <p:cBhvr>
-                                        <p:cTn id="22" dur="1" fill="hold">
-                                          <p:stCondLst>
-                                            <p:cond delay="0"/>
-                                          </p:stCondLst>
-                                        </p:cTn>
-                                        <p:tgtEl>
-                                          <p:spTgt spid="3">
-                                            <p:txEl>
-                                              <p:pRg st="6" end="6"/>
-                                            </p:txEl>
-                                          </p:spTgt>
-                                        </p:tgtEl>
-                                        <p:attrNameLst>
-                                          <p:attrName>style.visibility</p:attrName>
-                                        </p:attrNameLst>
-                                      </p:cBhvr>
-                                      <p:to>
-                                        <p:strVal val="visible"/>
-                                      </p:to>
-                                    </p:set>
-                                  </p:childTnLst>
-                                </p:cTn>
-                              </p:par>
-                            </p:childTnLst>
-                          </p:cTn>
-                        </p:par>
-                      </p:childTnLst>
-                    </p:cTn>
-                  </p:par>
-                  <p:par>
-                    <p:cTn id="23" fill="hold">
-                      <p:stCondLst>
-                        <p:cond delay="indefinite"/>
-                      </p:stCondLst>
-                      <p:childTnLst>
-                        <p:par>
-                          <p:cTn id="24" fill="hold">
-                            <p:stCondLst>
-                              <p:cond delay="0"/>
-                            </p:stCondLst>
-                            <p:childTnLst>
-                              <p:par>
-                                <p:cTn id="25" presetID="1" presetClass="entr" presetSubtype="0" fill="hold" grpId="0" nodeType="clickEffect">
-                                  <p:stCondLst>
-                                    <p:cond delay="0"/>
-                                  </p:stCondLst>
-                                  <p:childTnLst>
-                                    <p:set>
-                                      <p:cBhvr>
-                                        <p:cTn id="26" dur="1" fill="hold">
-                                          <p:stCondLst>
-                                            <p:cond delay="0"/>
-                                          </p:stCondLst>
-                                        </p:cTn>
-                                        <p:tgtEl>
-                                          <p:spTgt spid="3">
-                                            <p:txEl>
-                                              <p:pRg st="8" end="8"/>
-                                            </p:txEl>
-                                          </p:spTgt>
-                                        </p:tgtEl>
-                                        <p:attrNameLst>
-                                          <p:attrName>style.visibility</p:attrName>
-                                        </p:attrNameLst>
-                                      </p:cBhvr>
-                                      <p:to>
-                                        <p:strVal val="visible"/>
-                                      </p:to>
-                                    </p:set>
-                                  </p:childTnLst>
-                                </p:cTn>
-                              </p:par>
-                              <p:par>
-                                <p:cTn id="27" presetID="1" presetClass="entr" presetSubtype="0" fill="hold" grpId="0" nodeType="withEffect">
-                                  <p:stCondLst>
-                                    <p:cond delay="0"/>
-                                  </p:stCondLst>
-                                  <p:childTnLst>
-                                    <p:set>
-                                      <p:cBhvr>
-                                        <p:cTn id="28" dur="1" fill="hold">
-                                          <p:stCondLst>
-                                            <p:cond delay="0"/>
-                                          </p:stCondLst>
-                                        </p:cTn>
-                                        <p:tgtEl>
-                                          <p:spTgt spid="3">
-                                            <p:txEl>
-                                              <p:pRg st="9" end="9"/>
-                                            </p:txEl>
-                                          </p:spTgt>
-                                        </p:tgtEl>
-                                        <p:attrNameLst>
-                                          <p:attrName>style.visibility</p:attrName>
-                                        </p:attrNameLst>
-                                      </p:cBhvr>
-                                      <p:to>
-                                        <p:strVal val="visible"/>
-                                      </p:to>
-                                    </p:set>
-                                  </p:childTnLst>
-                                </p:cTn>
-                              </p:par>
-                            </p:childTnLst>
-                          </p:cTn>
-                        </p:par>
-                      </p:childTnLst>
-                    </p:cTn>
-                  </p:par>
-                </p:childTnLst>
-              </p:cTn>
-              <p:prevCondLst>
-                <p:cond evt="onPrev" delay="0">
-                  <p:tgtEl>
-                    <p:sldTgt/>
-                  </p:tgtEl>
-                </p:cond>
-              </p:prevCondLst>
-              <p:nextCondLst>
-                <p:cond evt="onNext" delay="0">
-                  <p:tgtEl>
-                    <p:sldTgt/>
-                  </p:tgtEl>
-                </p:cond>
-              </p:nextCondLst>
-            </p:seq>
-          </p:childTnLst>
-        </p:cTn>
-      </p:par>
-    </p:tnLst>
-    <p:bldLst>
-      <p:bldP spid="3" grpId="0" build="p"/>
-    </p:bldLst>
-  </p:timing>
 </p:sld>
 </file>
 
